--- a/Documentation/Presentations/SILC.pptx
+++ b/Documentation/Presentations/SILC.pptx
@@ -5,7 +5,7 @@
     <p:sldMasterId id="2147483648" r:id="rId1"/>
   </p:sldMasterIdLst>
   <p:notesMasterIdLst>
-    <p:notesMasterId r:id="rId16"/>
+    <p:notesMasterId r:id="rId15"/>
   </p:notesMasterIdLst>
   <p:sldIdLst>
     <p:sldId id="256" r:id="rId2"/>
@@ -20,8 +20,7 @@
     <p:sldId id="268" r:id="rId11"/>
     <p:sldId id="267" r:id="rId12"/>
     <p:sldId id="269" r:id="rId13"/>
-    <p:sldId id="265" r:id="rId14"/>
-    <p:sldId id="259" r:id="rId15"/>
+    <p:sldId id="259" r:id="rId14"/>
   </p:sldIdLst>
   <p:sldSz cx="12192000" cy="6858000"/>
   <p:notesSz cx="6858000" cy="9144000"/>
@@ -210,7 +209,7 @@
           <a:p>
             <a:fld id="{2CEFAB83-8AAA-4B40-BF49-05B8BFF0120C}" type="datetimeFigureOut">
               <a:rPr lang="en-NZ" smtClean="0"/>
-              <a:t>13/02/2019</a:t>
+              <a:t>27/02/2019</a:t>
             </a:fld>
             <a:endParaRPr lang="en-NZ"/>
           </a:p>
@@ -274,35 +273,35 @@
           <a:p>
             <a:pPr lvl="0"/>
             <a:r>
-              <a:rPr lang="en-US" smtClean="0"/>
+              <a:rPr lang="en-US"/>
               <a:t>Click to edit Master text styles</a:t>
             </a:r>
           </a:p>
           <a:p>
             <a:pPr lvl="1"/>
             <a:r>
-              <a:rPr lang="en-US" smtClean="0"/>
+              <a:rPr lang="en-US"/>
               <a:t>Second level</a:t>
             </a:r>
           </a:p>
           <a:p>
             <a:pPr lvl="2"/>
             <a:r>
-              <a:rPr lang="en-US" smtClean="0"/>
+              <a:rPr lang="en-US"/>
               <a:t>Third level</a:t>
             </a:r>
           </a:p>
           <a:p>
             <a:pPr lvl="3"/>
             <a:r>
-              <a:rPr lang="en-US" smtClean="0"/>
+              <a:rPr lang="en-US"/>
               <a:t>Fourth level</a:t>
             </a:r>
           </a:p>
           <a:p>
             <a:pPr lvl="4"/>
             <a:r>
-              <a:rPr lang="en-US" smtClean="0"/>
+              <a:rPr lang="en-US"/>
               <a:t>Fifth level</a:t>
             </a:r>
             <a:endParaRPr lang="en-NZ"/>
@@ -523,11 +522,11 @@
           <a:lstStyle/>
           <a:p>
             <a:r>
-              <a:rPr lang="en-NZ" dirty="0" smtClean="0"/>
+              <a:rPr lang="en-NZ" dirty="0"/>
               <a:t>Where</a:t>
             </a:r>
             <a:r>
-              <a:rPr lang="en-NZ" baseline="0" dirty="0" smtClean="0"/>
+              <a:rPr lang="en-NZ" baseline="0" dirty="0"/>
               <a:t> you get information to justify these inputs is an important consideration</a:t>
             </a:r>
             <a:endParaRPr lang="en-NZ" dirty="0"/>
@@ -561,6 +560,90 @@
     <p:extLst>
       <p:ext uri="{BB962C8B-B14F-4D97-AF65-F5344CB8AC3E}">
         <p14:creationId xmlns:p14="http://schemas.microsoft.com/office/powerpoint/2010/main" val="493603116"/>
+      </p:ext>
+    </p:extLst>
+  </p:cSld>
+  <p:clrMapOvr>
+    <a:masterClrMapping/>
+  </p:clrMapOvr>
+</p:notes>
+</file>
+
+<file path=ppt/notesSlides/notesSlide2.xml><?xml version="1.0" encoding="utf-8"?>
+<p:notes xmlns:a="http://schemas.openxmlformats.org/drawingml/2006/main" xmlns:r="http://schemas.openxmlformats.org/officeDocument/2006/relationships" xmlns:p="http://schemas.openxmlformats.org/presentationml/2006/main">
+  <p:cSld>
+    <p:spTree>
+      <p:nvGrpSpPr>
+        <p:cNvPr id="1" name=""/>
+        <p:cNvGrpSpPr/>
+        <p:nvPr/>
+      </p:nvGrpSpPr>
+      <p:grpSpPr>
+        <a:xfrm>
+          <a:off x="0" y="0"/>
+          <a:ext cx="0" cy="0"/>
+          <a:chOff x="0" y="0"/>
+          <a:chExt cx="0" cy="0"/>
+        </a:xfrm>
+      </p:grpSpPr>
+      <p:sp>
+        <p:nvSpPr>
+          <p:cNvPr id="2" name="Slide Image Placeholder 1"/>
+          <p:cNvSpPr>
+            <a:spLocks noGrp="1" noRot="1" noChangeAspect="1"/>
+          </p:cNvSpPr>
+          <p:nvPr>
+            <p:ph type="sldImg"/>
+          </p:nvPr>
+        </p:nvSpPr>
+        <p:spPr/>
+      </p:sp>
+      <p:sp>
+        <p:nvSpPr>
+          <p:cNvPr id="3" name="Notes Placeholder 2"/>
+          <p:cNvSpPr>
+            <a:spLocks noGrp="1"/>
+          </p:cNvSpPr>
+          <p:nvPr>
+            <p:ph type="body" idx="1"/>
+          </p:nvPr>
+        </p:nvSpPr>
+        <p:spPr/>
+        <p:txBody>
+          <a:bodyPr/>
+          <a:lstStyle/>
+          <a:p>
+            <a:endParaRPr lang="en-NZ" dirty="0"/>
+          </a:p>
+        </p:txBody>
+      </p:sp>
+      <p:sp>
+        <p:nvSpPr>
+          <p:cNvPr id="4" name="Slide Number Placeholder 3"/>
+          <p:cNvSpPr>
+            <a:spLocks noGrp="1"/>
+          </p:cNvSpPr>
+          <p:nvPr>
+            <p:ph type="sldNum" sz="quarter" idx="5"/>
+          </p:nvPr>
+        </p:nvSpPr>
+        <p:spPr/>
+        <p:txBody>
+          <a:bodyPr/>
+          <a:lstStyle/>
+          <a:p>
+            <a:fld id="{631396DF-5C98-47A2-BCA5-B55BAAB7A7DE}" type="slidenum">
+              <a:rPr lang="en-NZ" smtClean="0"/>
+              <a:t>12</a:t>
+            </a:fld>
+            <a:endParaRPr lang="en-NZ"/>
+          </a:p>
+        </p:txBody>
+      </p:sp>
+    </p:spTree>
+    <p:extLst>
+      <p:ext uri="{BB962C8B-B14F-4D97-AF65-F5344CB8AC3E}">
+        <p14:creationId xmlns:p14="http://schemas.microsoft.com/office/powerpoint/2010/main" val="3788690564"/>
       </p:ext>
     </p:extLst>
   </p:cSld>
@@ -612,7 +695,7 @@
           </a:lstStyle>
           <a:p>
             <a:r>
-              <a:rPr lang="en-US" smtClean="0"/>
+              <a:rPr lang="en-US"/>
               <a:t>Click to edit Master title style</a:t>
             </a:r>
             <a:endParaRPr lang="en-NZ"/>
@@ -677,7 +760,7 @@
           </a:lstStyle>
           <a:p>
             <a:r>
-              <a:rPr lang="en-US" smtClean="0"/>
+              <a:rPr lang="en-US"/>
               <a:t>Click to edit Master subtitle style</a:t>
             </a:r>
             <a:endParaRPr lang="en-NZ"/>
@@ -701,7 +784,7 @@
           <a:p>
             <a:fld id="{462451D9-BC6F-45F0-8207-288FDE690F77}" type="datetimeFigureOut">
               <a:rPr lang="en-NZ" smtClean="0"/>
-              <a:t>13/02/2019</a:t>
+              <a:t>27/02/2019</a:t>
             </a:fld>
             <a:endParaRPr lang="en-NZ"/>
           </a:p>
@@ -795,7 +878,7 @@
           <a:lstStyle/>
           <a:p>
             <a:r>
-              <a:rPr lang="en-US" smtClean="0"/>
+              <a:rPr lang="en-US"/>
               <a:t>Click to edit Master title style</a:t>
             </a:r>
             <a:endParaRPr lang="en-NZ"/>
@@ -819,35 +902,35 @@
           <a:p>
             <a:pPr lvl="0"/>
             <a:r>
-              <a:rPr lang="en-US" smtClean="0"/>
+              <a:rPr lang="en-US"/>
               <a:t>Click to edit Master text styles</a:t>
             </a:r>
           </a:p>
           <a:p>
             <a:pPr lvl="1"/>
             <a:r>
-              <a:rPr lang="en-US" smtClean="0"/>
+              <a:rPr lang="en-US"/>
               <a:t>Second level</a:t>
             </a:r>
           </a:p>
           <a:p>
             <a:pPr lvl="2"/>
             <a:r>
-              <a:rPr lang="en-US" smtClean="0"/>
+              <a:rPr lang="en-US"/>
               <a:t>Third level</a:t>
             </a:r>
           </a:p>
           <a:p>
             <a:pPr lvl="3"/>
             <a:r>
-              <a:rPr lang="en-US" smtClean="0"/>
+              <a:rPr lang="en-US"/>
               <a:t>Fourth level</a:t>
             </a:r>
           </a:p>
           <a:p>
             <a:pPr lvl="4"/>
             <a:r>
-              <a:rPr lang="en-US" smtClean="0"/>
+              <a:rPr lang="en-US"/>
               <a:t>Fifth level</a:t>
             </a:r>
             <a:endParaRPr lang="en-NZ"/>
@@ -871,7 +954,7 @@
           <a:p>
             <a:fld id="{462451D9-BC6F-45F0-8207-288FDE690F77}" type="datetimeFigureOut">
               <a:rPr lang="en-NZ" smtClean="0"/>
-              <a:t>13/02/2019</a:t>
+              <a:t>27/02/2019</a:t>
             </a:fld>
             <a:endParaRPr lang="en-NZ"/>
           </a:p>
@@ -970,7 +1053,7 @@
           <a:lstStyle/>
           <a:p>
             <a:r>
-              <a:rPr lang="en-US" smtClean="0"/>
+              <a:rPr lang="en-US"/>
               <a:t>Click to edit Master title style</a:t>
             </a:r>
             <a:endParaRPr lang="en-NZ"/>
@@ -999,35 +1082,35 @@
           <a:p>
             <a:pPr lvl="0"/>
             <a:r>
-              <a:rPr lang="en-US" smtClean="0"/>
+              <a:rPr lang="en-US"/>
               <a:t>Click to edit Master text styles</a:t>
             </a:r>
           </a:p>
           <a:p>
             <a:pPr lvl="1"/>
             <a:r>
-              <a:rPr lang="en-US" smtClean="0"/>
+              <a:rPr lang="en-US"/>
               <a:t>Second level</a:t>
             </a:r>
           </a:p>
           <a:p>
             <a:pPr lvl="2"/>
             <a:r>
-              <a:rPr lang="en-US" smtClean="0"/>
+              <a:rPr lang="en-US"/>
               <a:t>Third level</a:t>
             </a:r>
           </a:p>
           <a:p>
             <a:pPr lvl="3"/>
             <a:r>
-              <a:rPr lang="en-US" smtClean="0"/>
+              <a:rPr lang="en-US"/>
               <a:t>Fourth level</a:t>
             </a:r>
           </a:p>
           <a:p>
             <a:pPr lvl="4"/>
             <a:r>
-              <a:rPr lang="en-US" smtClean="0"/>
+              <a:rPr lang="en-US"/>
               <a:t>Fifth level</a:t>
             </a:r>
             <a:endParaRPr lang="en-NZ"/>
@@ -1051,7 +1134,7 @@
           <a:p>
             <a:fld id="{462451D9-BC6F-45F0-8207-288FDE690F77}" type="datetimeFigureOut">
               <a:rPr lang="en-NZ" smtClean="0"/>
-              <a:t>13/02/2019</a:t>
+              <a:t>27/02/2019</a:t>
             </a:fld>
             <a:endParaRPr lang="en-NZ"/>
           </a:p>
@@ -1145,7 +1228,7 @@
           <a:lstStyle/>
           <a:p>
             <a:r>
-              <a:rPr lang="en-US" smtClean="0"/>
+              <a:rPr lang="en-US"/>
               <a:t>Click to edit Master title style</a:t>
             </a:r>
             <a:endParaRPr lang="en-NZ"/>
@@ -1169,35 +1252,35 @@
           <a:p>
             <a:pPr lvl="0"/>
             <a:r>
-              <a:rPr lang="en-US" smtClean="0"/>
+              <a:rPr lang="en-US"/>
               <a:t>Click to edit Master text styles</a:t>
             </a:r>
           </a:p>
           <a:p>
             <a:pPr lvl="1"/>
             <a:r>
-              <a:rPr lang="en-US" smtClean="0"/>
+              <a:rPr lang="en-US"/>
               <a:t>Second level</a:t>
             </a:r>
           </a:p>
           <a:p>
             <a:pPr lvl="2"/>
             <a:r>
-              <a:rPr lang="en-US" smtClean="0"/>
+              <a:rPr lang="en-US"/>
               <a:t>Third level</a:t>
             </a:r>
           </a:p>
           <a:p>
             <a:pPr lvl="3"/>
             <a:r>
-              <a:rPr lang="en-US" smtClean="0"/>
+              <a:rPr lang="en-US"/>
               <a:t>Fourth level</a:t>
             </a:r>
           </a:p>
           <a:p>
             <a:pPr lvl="4"/>
             <a:r>
-              <a:rPr lang="en-US" smtClean="0"/>
+              <a:rPr lang="en-US"/>
               <a:t>Fifth level</a:t>
             </a:r>
             <a:endParaRPr lang="en-NZ"/>
@@ -1221,7 +1304,7 @@
           <a:p>
             <a:fld id="{462451D9-BC6F-45F0-8207-288FDE690F77}" type="datetimeFigureOut">
               <a:rPr lang="en-NZ" smtClean="0"/>
-              <a:t>13/02/2019</a:t>
+              <a:t>27/02/2019</a:t>
             </a:fld>
             <a:endParaRPr lang="en-NZ"/>
           </a:p>
@@ -1324,7 +1407,7 @@
           </a:lstStyle>
           <a:p>
             <a:r>
-              <a:rPr lang="en-US" smtClean="0"/>
+              <a:rPr lang="en-US"/>
               <a:t>Click to edit Master title style</a:t>
             </a:r>
             <a:endParaRPr lang="en-NZ"/>
@@ -1444,7 +1527,7 @@
           <a:p>
             <a:pPr lvl="0"/>
             <a:r>
-              <a:rPr lang="en-US" smtClean="0"/>
+              <a:rPr lang="en-US"/>
               <a:t>Click to edit Master text styles</a:t>
             </a:r>
           </a:p>
@@ -1467,7 +1550,7 @@
           <a:p>
             <a:fld id="{462451D9-BC6F-45F0-8207-288FDE690F77}" type="datetimeFigureOut">
               <a:rPr lang="en-NZ" smtClean="0"/>
-              <a:t>13/02/2019</a:t>
+              <a:t>27/02/2019</a:t>
             </a:fld>
             <a:endParaRPr lang="en-NZ"/>
           </a:p>
@@ -1561,7 +1644,7 @@
           <a:lstStyle/>
           <a:p>
             <a:r>
-              <a:rPr lang="en-US" smtClean="0"/>
+              <a:rPr lang="en-US"/>
               <a:t>Click to edit Master title style</a:t>
             </a:r>
             <a:endParaRPr lang="en-NZ"/>
@@ -1590,35 +1673,35 @@
           <a:p>
             <a:pPr lvl="0"/>
             <a:r>
-              <a:rPr lang="en-US" smtClean="0"/>
+              <a:rPr lang="en-US"/>
               <a:t>Click to edit Master text styles</a:t>
             </a:r>
           </a:p>
           <a:p>
             <a:pPr lvl="1"/>
             <a:r>
-              <a:rPr lang="en-US" smtClean="0"/>
+              <a:rPr lang="en-US"/>
               <a:t>Second level</a:t>
             </a:r>
           </a:p>
           <a:p>
             <a:pPr lvl="2"/>
             <a:r>
-              <a:rPr lang="en-US" smtClean="0"/>
+              <a:rPr lang="en-US"/>
               <a:t>Third level</a:t>
             </a:r>
           </a:p>
           <a:p>
             <a:pPr lvl="3"/>
             <a:r>
-              <a:rPr lang="en-US" smtClean="0"/>
+              <a:rPr lang="en-US"/>
               <a:t>Fourth level</a:t>
             </a:r>
           </a:p>
           <a:p>
             <a:pPr lvl="4"/>
             <a:r>
-              <a:rPr lang="en-US" smtClean="0"/>
+              <a:rPr lang="en-US"/>
               <a:t>Fifth level</a:t>
             </a:r>
             <a:endParaRPr lang="en-NZ"/>
@@ -1647,35 +1730,35 @@
           <a:p>
             <a:pPr lvl="0"/>
             <a:r>
-              <a:rPr lang="en-US" smtClean="0"/>
+              <a:rPr lang="en-US"/>
               <a:t>Click to edit Master text styles</a:t>
             </a:r>
           </a:p>
           <a:p>
             <a:pPr lvl="1"/>
             <a:r>
-              <a:rPr lang="en-US" smtClean="0"/>
+              <a:rPr lang="en-US"/>
               <a:t>Second level</a:t>
             </a:r>
           </a:p>
           <a:p>
             <a:pPr lvl="2"/>
             <a:r>
-              <a:rPr lang="en-US" smtClean="0"/>
+              <a:rPr lang="en-US"/>
               <a:t>Third level</a:t>
             </a:r>
           </a:p>
           <a:p>
             <a:pPr lvl="3"/>
             <a:r>
-              <a:rPr lang="en-US" smtClean="0"/>
+              <a:rPr lang="en-US"/>
               <a:t>Fourth level</a:t>
             </a:r>
           </a:p>
           <a:p>
             <a:pPr lvl="4"/>
             <a:r>
-              <a:rPr lang="en-US" smtClean="0"/>
+              <a:rPr lang="en-US"/>
               <a:t>Fifth level</a:t>
             </a:r>
             <a:endParaRPr lang="en-NZ"/>
@@ -1699,7 +1782,7 @@
           <a:p>
             <a:fld id="{462451D9-BC6F-45F0-8207-288FDE690F77}" type="datetimeFigureOut">
               <a:rPr lang="en-NZ" smtClean="0"/>
-              <a:t>13/02/2019</a:t>
+              <a:t>27/02/2019</a:t>
             </a:fld>
             <a:endParaRPr lang="en-NZ"/>
           </a:p>
@@ -1798,7 +1881,7 @@
           <a:lstStyle/>
           <a:p>
             <a:r>
-              <a:rPr lang="en-US" smtClean="0"/>
+              <a:rPr lang="en-US"/>
               <a:t>Click to edit Master title style</a:t>
             </a:r>
             <a:endParaRPr lang="en-NZ"/>
@@ -1864,7 +1947,7 @@
           <a:p>
             <a:pPr lvl="0"/>
             <a:r>
-              <a:rPr lang="en-US" smtClean="0"/>
+              <a:rPr lang="en-US"/>
               <a:t>Click to edit Master text styles</a:t>
             </a:r>
           </a:p>
@@ -1892,35 +1975,35 @@
           <a:p>
             <a:pPr lvl="0"/>
             <a:r>
-              <a:rPr lang="en-US" smtClean="0"/>
+              <a:rPr lang="en-US"/>
               <a:t>Click to edit Master text styles</a:t>
             </a:r>
           </a:p>
           <a:p>
             <a:pPr lvl="1"/>
             <a:r>
-              <a:rPr lang="en-US" smtClean="0"/>
+              <a:rPr lang="en-US"/>
               <a:t>Second level</a:t>
             </a:r>
           </a:p>
           <a:p>
             <a:pPr lvl="2"/>
             <a:r>
-              <a:rPr lang="en-US" smtClean="0"/>
+              <a:rPr lang="en-US"/>
               <a:t>Third level</a:t>
             </a:r>
           </a:p>
           <a:p>
             <a:pPr lvl="3"/>
             <a:r>
-              <a:rPr lang="en-US" smtClean="0"/>
+              <a:rPr lang="en-US"/>
               <a:t>Fourth level</a:t>
             </a:r>
           </a:p>
           <a:p>
             <a:pPr lvl="4"/>
             <a:r>
-              <a:rPr lang="en-US" smtClean="0"/>
+              <a:rPr lang="en-US"/>
               <a:t>Fifth level</a:t>
             </a:r>
             <a:endParaRPr lang="en-NZ"/>
@@ -1986,7 +2069,7 @@
           <a:p>
             <a:pPr lvl="0"/>
             <a:r>
-              <a:rPr lang="en-US" smtClean="0"/>
+              <a:rPr lang="en-US"/>
               <a:t>Click to edit Master text styles</a:t>
             </a:r>
           </a:p>
@@ -2014,35 +2097,35 @@
           <a:p>
             <a:pPr lvl="0"/>
             <a:r>
-              <a:rPr lang="en-US" smtClean="0"/>
+              <a:rPr lang="en-US"/>
               <a:t>Click to edit Master text styles</a:t>
             </a:r>
           </a:p>
           <a:p>
             <a:pPr lvl="1"/>
             <a:r>
-              <a:rPr lang="en-US" smtClean="0"/>
+              <a:rPr lang="en-US"/>
               <a:t>Second level</a:t>
             </a:r>
           </a:p>
           <a:p>
             <a:pPr lvl="2"/>
             <a:r>
-              <a:rPr lang="en-US" smtClean="0"/>
+              <a:rPr lang="en-US"/>
               <a:t>Third level</a:t>
             </a:r>
           </a:p>
           <a:p>
             <a:pPr lvl="3"/>
             <a:r>
-              <a:rPr lang="en-US" smtClean="0"/>
+              <a:rPr lang="en-US"/>
               <a:t>Fourth level</a:t>
             </a:r>
           </a:p>
           <a:p>
             <a:pPr lvl="4"/>
             <a:r>
-              <a:rPr lang="en-US" smtClean="0"/>
+              <a:rPr lang="en-US"/>
               <a:t>Fifth level</a:t>
             </a:r>
             <a:endParaRPr lang="en-NZ"/>
@@ -2066,7 +2149,7 @@
           <a:p>
             <a:fld id="{462451D9-BC6F-45F0-8207-288FDE690F77}" type="datetimeFigureOut">
               <a:rPr lang="en-NZ" smtClean="0"/>
-              <a:t>13/02/2019</a:t>
+              <a:t>27/02/2019</a:t>
             </a:fld>
             <a:endParaRPr lang="en-NZ"/>
           </a:p>
@@ -2160,7 +2243,7 @@
           <a:lstStyle/>
           <a:p>
             <a:r>
-              <a:rPr lang="en-US" smtClean="0"/>
+              <a:rPr lang="en-US"/>
               <a:t>Click to edit Master title style</a:t>
             </a:r>
             <a:endParaRPr lang="en-NZ"/>
@@ -2184,7 +2267,7 @@
           <a:p>
             <a:fld id="{462451D9-BC6F-45F0-8207-288FDE690F77}" type="datetimeFigureOut">
               <a:rPr lang="en-NZ" smtClean="0"/>
-              <a:t>13/02/2019</a:t>
+              <a:t>27/02/2019</a:t>
             </a:fld>
             <a:endParaRPr lang="en-NZ"/>
           </a:p>
@@ -2279,7 +2362,7 @@
           <a:p>
             <a:fld id="{462451D9-BC6F-45F0-8207-288FDE690F77}" type="datetimeFigureOut">
               <a:rPr lang="en-NZ" smtClean="0"/>
-              <a:t>13/02/2019</a:t>
+              <a:t>27/02/2019</a:t>
             </a:fld>
             <a:endParaRPr lang="en-NZ"/>
           </a:p>
@@ -2382,7 +2465,7 @@
           </a:lstStyle>
           <a:p>
             <a:r>
-              <a:rPr lang="en-US" smtClean="0"/>
+              <a:rPr lang="en-US"/>
               <a:t>Click to edit Master title style</a:t>
             </a:r>
             <a:endParaRPr lang="en-NZ"/>
@@ -2439,35 +2522,35 @@
           <a:p>
             <a:pPr lvl="0"/>
             <a:r>
-              <a:rPr lang="en-US" smtClean="0"/>
+              <a:rPr lang="en-US"/>
               <a:t>Click to edit Master text styles</a:t>
             </a:r>
           </a:p>
           <a:p>
             <a:pPr lvl="1"/>
             <a:r>
-              <a:rPr lang="en-US" smtClean="0"/>
+              <a:rPr lang="en-US"/>
               <a:t>Second level</a:t>
             </a:r>
           </a:p>
           <a:p>
             <a:pPr lvl="2"/>
             <a:r>
-              <a:rPr lang="en-US" smtClean="0"/>
+              <a:rPr lang="en-US"/>
               <a:t>Third level</a:t>
             </a:r>
           </a:p>
           <a:p>
             <a:pPr lvl="3"/>
             <a:r>
-              <a:rPr lang="en-US" smtClean="0"/>
+              <a:rPr lang="en-US"/>
               <a:t>Fourth level</a:t>
             </a:r>
           </a:p>
           <a:p>
             <a:pPr lvl="4"/>
             <a:r>
-              <a:rPr lang="en-US" smtClean="0"/>
+              <a:rPr lang="en-US"/>
               <a:t>Fifth level</a:t>
             </a:r>
             <a:endParaRPr lang="en-NZ"/>
@@ -2533,7 +2616,7 @@
           <a:p>
             <a:pPr lvl="0"/>
             <a:r>
-              <a:rPr lang="en-US" smtClean="0"/>
+              <a:rPr lang="en-US"/>
               <a:t>Click to edit Master text styles</a:t>
             </a:r>
           </a:p>
@@ -2556,7 +2639,7 @@
           <a:p>
             <a:fld id="{462451D9-BC6F-45F0-8207-288FDE690F77}" type="datetimeFigureOut">
               <a:rPr lang="en-NZ" smtClean="0"/>
-              <a:t>13/02/2019</a:t>
+              <a:t>27/02/2019</a:t>
             </a:fld>
             <a:endParaRPr lang="en-NZ"/>
           </a:p>
@@ -2659,7 +2742,7 @@
           </a:lstStyle>
           <a:p>
             <a:r>
-              <a:rPr lang="en-US" smtClean="0"/>
+              <a:rPr lang="en-US"/>
               <a:t>Click to edit Master title style</a:t>
             </a:r>
             <a:endParaRPr lang="en-NZ"/>
@@ -2786,7 +2869,7 @@
           <a:p>
             <a:pPr lvl="0"/>
             <a:r>
-              <a:rPr lang="en-US" smtClean="0"/>
+              <a:rPr lang="en-US"/>
               <a:t>Click to edit Master text styles</a:t>
             </a:r>
           </a:p>
@@ -2809,7 +2892,7 @@
           <a:p>
             <a:fld id="{462451D9-BC6F-45F0-8207-288FDE690F77}" type="datetimeFigureOut">
               <a:rPr lang="en-NZ" smtClean="0"/>
-              <a:t>13/02/2019</a:t>
+              <a:t>27/02/2019</a:t>
             </a:fld>
             <a:endParaRPr lang="en-NZ"/>
           </a:p>
@@ -2918,7 +3001,7 @@
           <a:lstStyle/>
           <a:p>
             <a:r>
-              <a:rPr lang="en-US" smtClean="0"/>
+              <a:rPr lang="en-US"/>
               <a:t>Click to edit Master title style</a:t>
             </a:r>
             <a:endParaRPr lang="en-NZ"/>
@@ -2952,35 +3035,35 @@
           <a:p>
             <a:pPr lvl="0"/>
             <a:r>
-              <a:rPr lang="en-US" smtClean="0"/>
+              <a:rPr lang="en-US"/>
               <a:t>Click to edit Master text styles</a:t>
             </a:r>
           </a:p>
           <a:p>
             <a:pPr lvl="1"/>
             <a:r>
-              <a:rPr lang="en-US" smtClean="0"/>
+              <a:rPr lang="en-US"/>
               <a:t>Second level</a:t>
             </a:r>
           </a:p>
           <a:p>
             <a:pPr lvl="2"/>
             <a:r>
-              <a:rPr lang="en-US" smtClean="0"/>
+              <a:rPr lang="en-US"/>
               <a:t>Third level</a:t>
             </a:r>
           </a:p>
           <a:p>
             <a:pPr lvl="3"/>
             <a:r>
-              <a:rPr lang="en-US" smtClean="0"/>
+              <a:rPr lang="en-US"/>
               <a:t>Fourth level</a:t>
             </a:r>
           </a:p>
           <a:p>
             <a:pPr lvl="4"/>
             <a:r>
-              <a:rPr lang="en-US" smtClean="0"/>
+              <a:rPr lang="en-US"/>
               <a:t>Fifth level</a:t>
             </a:r>
             <a:endParaRPr lang="en-NZ"/>
@@ -3022,7 +3105,7 @@
           <a:p>
             <a:fld id="{462451D9-BC6F-45F0-8207-288FDE690F77}" type="datetimeFigureOut">
               <a:rPr lang="en-NZ" smtClean="0"/>
-              <a:t>13/02/2019</a:t>
+              <a:t>27/02/2019</a:t>
             </a:fld>
             <a:endParaRPr lang="en-NZ"/>
           </a:p>
@@ -3439,8 +3522,8 @@
         </p:nvSpPr>
         <p:spPr>
           <a:xfrm>
-            <a:off x="303195" y="308008"/>
-            <a:ext cx="11805386" cy="5967664"/>
+            <a:off x="95250" y="152400"/>
+            <a:ext cx="12013331" cy="6123272"/>
           </a:xfrm>
         </p:spPr>
         <p:txBody>
@@ -3451,59 +3534,34 @@
           <a:p>
             <a:pPr algn="l"/>
             <a:r>
-              <a:rPr lang="en-NZ" sz="3600" b="1" dirty="0" smtClean="0"/>
-              <a:t>Quick </a:t>
-            </a:r>
-            <a:r>
-              <a:rPr lang="en-NZ" sz="3600" b="1" dirty="0" smtClean="0"/>
-              <a:t>note</a:t>
+              <a:rPr lang="en-NZ" sz="3600" b="1" dirty="0"/>
+              <a:t>Quick note</a:t>
             </a:r>
             <a:br>
-              <a:rPr lang="en-NZ" sz="3600" b="1" dirty="0" smtClean="0"/>
+              <a:rPr lang="en-NZ" sz="3600" b="1" dirty="0"/>
             </a:br>
             <a:r>
-              <a:rPr lang="en-NZ" sz="3600" b="1" dirty="0" smtClean="0"/>
+              <a:rPr lang="en-NZ" sz="3600" b="1" dirty="0"/>
               <a:t>- </a:t>
             </a:r>
             <a:r>
-              <a:rPr lang="en-NZ" sz="3600" dirty="0" smtClean="0"/>
-              <a:t>Individual </a:t>
-            </a:r>
-            <a:r>
-              <a:rPr lang="en-NZ" sz="3600" dirty="0" smtClean="0"/>
-              <a:t>= </a:t>
-            </a:r>
-            <a:r>
-              <a:rPr lang="en-NZ" sz="3600" dirty="0" smtClean="0"/>
-              <a:t>Agent (because I couldn’t make up my mind</a:t>
-            </a:r>
-            <a:r>
-              <a:rPr lang="en-NZ" sz="3600" dirty="0" smtClean="0"/>
-              <a:t>)</a:t>
-            </a:r>
-            <a:r>
               <a:rPr lang="en-NZ" sz="3600" dirty="0"/>
-              <a:t/>
+              <a:t>Individual = Agent (because I couldn’t/can’t make up my mind)</a:t>
             </a:r>
             <a:br>
               <a:rPr lang="en-NZ" sz="3600" dirty="0"/>
             </a:br>
             <a:r>
-              <a:rPr lang="en-NZ" sz="3600" dirty="0" smtClean="0"/>
-              <a:t>- Not </a:t>
-            </a:r>
-            <a:r>
               <a:rPr lang="en-NZ" sz="3600" dirty="0"/>
-              <a:t>a true agent based model in the sense there are still population level concepts e.g. carrying capacity (user sets B0), recruitment. This was done to easily align it with stock assessment models. A true agent based model would model agent interactions with environment and population signals would be a result or all agents.</a:t>
+              <a:t>- Not a true agent based model in the sense there are still population level concepts e.g. carrying capacity (user sets B0), recruitment. This was done to easily align it with stock assessment models. A true agent based model would model agent interactions with environment and population signals would be a result or all agents.</a:t>
             </a:r>
             <a:br>
               <a:rPr lang="en-NZ" sz="3600" dirty="0"/>
             </a:br>
             <a:r>
-              <a:rPr lang="en-NZ" sz="3600" dirty="0" smtClean="0"/>
-              <a:t>- Purpose of the ABM for my thesis is as an operating model to test stock assessment methodology (pretty generic)</a:t>
-            </a:r>
-            <a:endParaRPr lang="en-NZ" sz="3600" dirty="0"/>
+              <a:rPr lang="en-NZ" sz="3600" dirty="0"/>
+              <a:t>- Purpose of the agent based model (ABM) for my thesis is as an operating model to test stock assessment methodology. Allows more realistic data generation for tagging and age composition.</a:t>
+            </a:r>
           </a:p>
         </p:txBody>
       </p:sp>
@@ -3560,10 +3618,9 @@
           <a:lstStyle/>
           <a:p>
             <a:r>
-              <a:rPr lang="en-NZ" sz="3600" dirty="0" smtClean="0"/>
+              <a:rPr lang="en-NZ" sz="3600" dirty="0"/>
               <a:t>Nice components</a:t>
             </a:r>
-            <a:endParaRPr lang="en-NZ" sz="3600" dirty="0"/>
           </a:p>
         </p:txBody>
       </p:sp>
@@ -3588,10 +3645,9 @@
           <a:lstStyle/>
           <a:p>
             <a:r>
-              <a:rPr lang="en-NZ" dirty="0" smtClean="0"/>
+              <a:rPr lang="en-NZ" dirty="0"/>
               <a:t>Time varying and spatially varying parameters, M and growth</a:t>
             </a:r>
-            <a:endParaRPr lang="en-NZ" dirty="0"/>
           </a:p>
         </p:txBody>
       </p:sp>
@@ -3678,16 +3734,12 @@
           <a:lstStyle/>
           <a:p>
             <a:r>
-              <a:rPr lang="en-NZ" dirty="0" smtClean="0"/>
+              <a:rPr lang="en-NZ" dirty="0"/>
               <a:t>Test cases and speed run, </a:t>
             </a:r>
             <a:r>
-              <a:rPr lang="en-NZ" sz="2400" dirty="0" smtClean="0"/>
-              <a:t>Run on Windows 10 </a:t>
-            </a:r>
-            <a:r>
-              <a:rPr lang="en-NZ" sz="2400" b="1" dirty="0" smtClean="0"/>
-              <a:t>i7-4710 2.5 GHz</a:t>
+              <a:rPr lang="en-NZ" sz="2400" dirty="0"/>
+              <a:t>Run on Windows</a:t>
             </a:r>
             <a:endParaRPr lang="en-NZ" dirty="0"/>
           </a:p>
@@ -3711,159 +3763,18 @@
         </p:spPr>
         <p:txBody>
           <a:bodyPr>
-            <a:normAutofit fontScale="92500" lnSpcReduction="10000"/>
+            <a:normAutofit/>
           </a:bodyPr>
           <a:lstStyle/>
           <a:p>
             <a:r>
-              <a:rPr lang="en-NZ" dirty="0" smtClean="0"/>
-              <a:t>Single area</a:t>
+              <a:rPr lang="en-NZ" dirty="0"/>
+              <a:t>Run time between 30sec -&gt;10 mins</a:t>
             </a:r>
           </a:p>
           <a:p>
             <a:pPr lvl="1"/>
-            <a:r>
-              <a:rPr lang="en-NZ" dirty="0" smtClean="0"/>
-              <a:t>Years = </a:t>
-            </a:r>
-          </a:p>
-          <a:p>
-            <a:pPr lvl="1"/>
-            <a:r>
-              <a:rPr lang="en-NZ" dirty="0" smtClean="0"/>
-              <a:t>Time steps = </a:t>
-            </a:r>
-          </a:p>
-          <a:p>
-            <a:pPr lvl="1"/>
-            <a:r>
-              <a:rPr lang="en-NZ" dirty="0" smtClean="0"/>
-              <a:t>Fisheries = </a:t>
-            </a:r>
-          </a:p>
-          <a:p>
-            <a:pPr lvl="1"/>
-            <a:r>
-              <a:rPr lang="en-NZ" dirty="0" smtClean="0"/>
-              <a:t>N-agents = </a:t>
-            </a:r>
-          </a:p>
-          <a:p>
-            <a:r>
-              <a:rPr lang="en-NZ" dirty="0" smtClean="0"/>
-              <a:t>Three area </a:t>
-            </a:r>
-            <a:r>
-              <a:rPr lang="en-NZ" dirty="0" smtClean="0"/>
-              <a:t>model </a:t>
-            </a:r>
-            <a:r>
-              <a:rPr lang="en-NZ" dirty="0"/>
-              <a:t>= 58 seconds</a:t>
-            </a:r>
-            <a:endParaRPr lang="en-NZ" dirty="0" smtClean="0"/>
-          </a:p>
-          <a:p>
-            <a:pPr lvl="1"/>
-            <a:r>
-              <a:rPr lang="en-NZ" dirty="0" err="1" smtClean="0"/>
-              <a:t>Init</a:t>
-            </a:r>
-            <a:r>
-              <a:rPr lang="en-NZ" dirty="0" smtClean="0"/>
-              <a:t> phase = 50 years</a:t>
-            </a:r>
-          </a:p>
-          <a:p>
-            <a:pPr lvl="1"/>
-            <a:r>
-              <a:rPr lang="en-NZ" dirty="0" smtClean="0"/>
-              <a:t>Years 1990:2013</a:t>
-            </a:r>
-            <a:endParaRPr lang="en-NZ" dirty="0" smtClean="0"/>
-          </a:p>
-          <a:p>
-            <a:pPr lvl="1"/>
-            <a:r>
-              <a:rPr lang="en-NZ" dirty="0" smtClean="0"/>
-              <a:t>Time steps = </a:t>
-            </a:r>
-            <a:r>
-              <a:rPr lang="en-NZ" dirty="0" smtClean="0"/>
-              <a:t>3</a:t>
-            </a:r>
-            <a:endParaRPr lang="en-NZ" dirty="0" smtClean="0"/>
-          </a:p>
-          <a:p>
-            <a:pPr lvl="1"/>
-            <a:r>
-              <a:rPr lang="en-NZ" dirty="0" smtClean="0"/>
-              <a:t>N-agents </a:t>
-            </a:r>
-            <a:r>
-              <a:rPr lang="en-NZ" dirty="0" smtClean="0"/>
-              <a:t>= </a:t>
-            </a:r>
-            <a:r>
-              <a:rPr lang="en-NZ" dirty="0" smtClean="0"/>
-              <a:t>1 mil</a:t>
-            </a:r>
-            <a:endParaRPr lang="en-NZ" dirty="0" smtClean="0"/>
-          </a:p>
-          <a:p>
-            <a:r>
-              <a:rPr lang="en-NZ" dirty="0" smtClean="0"/>
-              <a:t>10x10 area </a:t>
-            </a:r>
-            <a:r>
-              <a:rPr lang="en-NZ" dirty="0" smtClean="0"/>
-              <a:t>model = </a:t>
-            </a:r>
-            <a:endParaRPr lang="en-NZ" dirty="0" smtClean="0"/>
-          </a:p>
-          <a:p>
-            <a:pPr lvl="1"/>
-            <a:r>
-              <a:rPr lang="en-NZ" dirty="0" smtClean="0"/>
-              <a:t>Years = </a:t>
-            </a:r>
-            <a:r>
-              <a:rPr lang="en-NZ" dirty="0" smtClean="0"/>
-              <a:t>30</a:t>
-            </a:r>
-            <a:endParaRPr lang="en-NZ" dirty="0" smtClean="0"/>
-          </a:p>
-          <a:p>
-            <a:pPr lvl="1"/>
-            <a:r>
-              <a:rPr lang="en-NZ" dirty="0" smtClean="0"/>
-              <a:t>Time steps = </a:t>
-            </a:r>
-            <a:r>
-              <a:rPr lang="en-NZ" dirty="0" smtClean="0"/>
-              <a:t>4</a:t>
-            </a:r>
-            <a:endParaRPr lang="en-NZ" dirty="0" smtClean="0"/>
-          </a:p>
-          <a:p>
-            <a:pPr lvl="1"/>
-            <a:r>
-              <a:rPr lang="en-NZ" dirty="0" smtClean="0"/>
-              <a:t>N-agents </a:t>
-            </a:r>
-            <a:r>
-              <a:rPr lang="en-NZ" dirty="0" smtClean="0"/>
-              <a:t>= </a:t>
-            </a:r>
-            <a:r>
-              <a:rPr lang="en-NZ" dirty="0" smtClean="0"/>
-              <a:t>1.5mil</a:t>
-            </a:r>
-            <a:endParaRPr lang="en-NZ" dirty="0" smtClean="0"/>
-          </a:p>
-          <a:p>
-            <a:pPr lvl="1"/>
-            <a:endParaRPr lang="en-NZ" dirty="0" smtClean="0"/>
+            <a:endParaRPr lang="en-NZ" dirty="0"/>
           </a:p>
         </p:txBody>
       </p:sp>
@@ -3899,25 +3810,6 @@
       </p:grpSpPr>
       <p:sp>
         <p:nvSpPr>
-          <p:cNvPr id="2" name="Title 1"/>
-          <p:cNvSpPr>
-            <a:spLocks noGrp="1"/>
-          </p:cNvSpPr>
-          <p:nvPr>
-            <p:ph type="title"/>
-          </p:nvPr>
-        </p:nvSpPr>
-        <p:spPr/>
-        <p:txBody>
-          <a:bodyPr/>
-          <a:lstStyle/>
-          <a:p>
-            <a:endParaRPr lang="en-NZ" dirty="0"/>
-          </a:p>
-        </p:txBody>
-      </p:sp>
-      <p:sp>
-        <p:nvSpPr>
           <p:cNvPr id="3" name="Content Placeholder 2"/>
           <p:cNvSpPr>
             <a:spLocks noGrp="1"/>
@@ -3926,37 +3818,41 @@
             <p:ph idx="1"/>
           </p:nvPr>
         </p:nvSpPr>
-        <p:spPr/>
-        <p:txBody>
-          <a:bodyPr/>
-          <a:lstStyle/>
-          <a:p>
-            <a:r>
-              <a:rPr lang="en-NZ" dirty="0" smtClean="0"/>
+        <p:spPr>
+          <a:xfrm>
+            <a:off x="714375" y="685800"/>
+            <a:ext cx="10639425" cy="5491163"/>
+          </a:xfrm>
+        </p:spPr>
+        <p:txBody>
+          <a:bodyPr/>
+          <a:lstStyle/>
+          <a:p>
+            <a:r>
+              <a:rPr lang="en-NZ" dirty="0"/>
               <a:t>To Add</a:t>
             </a:r>
           </a:p>
           <a:p>
             <a:pPr lvl="1"/>
             <a:r>
-              <a:rPr lang="en-NZ" dirty="0" smtClean="0"/>
+              <a:rPr lang="en-NZ" dirty="0"/>
               <a:t>Pass on traits at recruitment level so recruits represent SSB characteristics (evolutionary process). Currently where you are born is defined to have a certain M and growth (distribution) and that is what you get allocated</a:t>
             </a:r>
           </a:p>
           <a:p>
             <a:pPr lvl="1"/>
             <a:r>
-              <a:rPr lang="en-NZ" dirty="0" smtClean="0"/>
+              <a:rPr lang="en-NZ" dirty="0"/>
               <a:t>Threading proved to be very difficult due to too many shared resources random number generators etc. </a:t>
             </a:r>
           </a:p>
           <a:p>
             <a:pPr lvl="1"/>
             <a:r>
-              <a:rPr lang="en-NZ" dirty="0" smtClean="0"/>
-              <a:t>Simultaneously apply multiple fisheries important otherwise age structures get weird if fisheries occur at same location and time.</a:t>
-            </a:r>
-            <a:endParaRPr lang="en-NZ" dirty="0"/>
+              <a:rPr lang="en-NZ" dirty="0"/>
+              <a:t>Simultaneously apply multiple fisheries important otherwise age structures get weird if fisheries occur at same location and time (almost complete)</a:t>
+            </a:r>
           </a:p>
         </p:txBody>
       </p:sp>
@@ -4000,114 +3896,15 @@
             <p:ph type="title"/>
           </p:nvPr>
         </p:nvSpPr>
-        <p:spPr>
-          <a:xfrm>
-            <a:off x="0" y="0"/>
-            <a:ext cx="4301691" cy="684029"/>
-          </a:xfrm>
-        </p:spPr>
-        <p:txBody>
-          <a:bodyPr>
-            <a:normAutofit fontScale="90000"/>
-          </a:bodyPr>
-          <a:lstStyle/>
-          <a:p>
-            <a:r>
-              <a:rPr lang="en-NZ" dirty="0" smtClean="0"/>
-              <a:t>Some notes</a:t>
-            </a:r>
-            <a:endParaRPr lang="en-NZ" dirty="0"/>
-          </a:p>
-        </p:txBody>
-      </p:sp>
-      <p:sp>
-        <p:nvSpPr>
-          <p:cNvPr id="3" name="Content Placeholder 2"/>
-          <p:cNvSpPr>
-            <a:spLocks noGrp="1"/>
-          </p:cNvSpPr>
-          <p:nvPr>
-            <p:ph idx="1"/>
-          </p:nvPr>
-        </p:nvSpPr>
-        <p:spPr>
-          <a:xfrm>
-            <a:off x="202131" y="684029"/>
-            <a:ext cx="11151669" cy="5492934"/>
-          </a:xfrm>
-        </p:spPr>
-        <p:txBody>
-          <a:bodyPr/>
-          <a:lstStyle/>
-          <a:p>
-            <a:r>
-              <a:rPr lang="en-NZ" dirty="0" smtClean="0"/>
-              <a:t>Not a true agent based model in the sense there are still population level concepts e.g. carrying </a:t>
-            </a:r>
-            <a:r>
-              <a:rPr lang="en-NZ" dirty="0" smtClean="0"/>
-              <a:t>capacity (user sets B0), </a:t>
-            </a:r>
-            <a:r>
-              <a:rPr lang="en-NZ" dirty="0" smtClean="0"/>
-              <a:t>recruitment. This was done to easily align it with stock assessment models. A true agent based model would model agent interactions with environment and population signals would be a result or all agents.</a:t>
-            </a:r>
-          </a:p>
-          <a:p>
-            <a:endParaRPr lang="en-NZ" dirty="0" smtClean="0"/>
-          </a:p>
-        </p:txBody>
-      </p:sp>
-    </p:spTree>
-    <p:extLst>
-      <p:ext uri="{BB962C8B-B14F-4D97-AF65-F5344CB8AC3E}">
-        <p14:creationId xmlns:p14="http://schemas.microsoft.com/office/powerpoint/2010/main" val="3437654006"/>
-      </p:ext>
-    </p:extLst>
-  </p:cSld>
-  <p:clrMapOvr>
-    <a:masterClrMapping/>
-  </p:clrMapOvr>
-</p:sld>
-</file>
-
-<file path=ppt/slides/slide14.xml><?xml version="1.0" encoding="utf-8"?>
-<p:sld xmlns:a="http://schemas.openxmlformats.org/drawingml/2006/main" xmlns:r="http://schemas.openxmlformats.org/officeDocument/2006/relationships" xmlns:p="http://schemas.openxmlformats.org/presentationml/2006/main">
-  <p:cSld>
-    <p:spTree>
-      <p:nvGrpSpPr>
-        <p:cNvPr id="1" name=""/>
-        <p:cNvGrpSpPr/>
-        <p:nvPr/>
-      </p:nvGrpSpPr>
-      <p:grpSpPr>
-        <a:xfrm>
-          <a:off x="0" y="0"/>
-          <a:ext cx="0" cy="0"/>
-          <a:chOff x="0" y="0"/>
-          <a:chExt cx="0" cy="0"/>
-        </a:xfrm>
-      </p:grpSpPr>
-      <p:sp>
-        <p:nvSpPr>
-          <p:cNvPr id="2" name="Title 1"/>
-          <p:cNvSpPr>
-            <a:spLocks noGrp="1"/>
-          </p:cNvSpPr>
-          <p:nvPr>
-            <p:ph type="title"/>
-          </p:nvPr>
-        </p:nvSpPr>
         <p:spPr/>
         <p:txBody>
           <a:bodyPr/>
           <a:lstStyle/>
           <a:p>
             <a:r>
-              <a:rPr lang="en-NZ" dirty="0" smtClean="0"/>
+              <a:rPr lang="en-NZ" dirty="0"/>
               <a:t>References</a:t>
             </a:r>
-            <a:endParaRPr lang="en-NZ" dirty="0"/>
           </a:p>
         </p:txBody>
       </p:sp>
@@ -4136,15 +3933,7 @@
             </a:r>
             <a:r>
               <a:rPr lang="en-NZ" dirty="0"/>
-              <a:t>, Deborah R Hart, and Yong Chen. Effects of unequal capture probability </a:t>
-            </a:r>
-            <a:r>
-              <a:rPr lang="en-NZ" dirty="0" smtClean="0"/>
-              <a:t>on stock </a:t>
-            </a:r>
-            <a:r>
-              <a:rPr lang="en-NZ" dirty="0"/>
-              <a:t>assessment abundance and mortality estimates: an example using the us </a:t>
+              <a:t>, Deborah R Hart, and Yong Chen. Effects of unequal capture probability on stock assessment abundance and mortality estimates: an example using the us </a:t>
             </a:r>
             <a:r>
               <a:rPr lang="en-NZ" dirty="0" err="1"/>
@@ -4152,19 +3941,7 @@
             </a:r>
             <a:r>
               <a:rPr lang="en-NZ" dirty="0"/>
-              <a:t> sea </a:t>
-            </a:r>
-            <a:r>
-              <a:rPr lang="en-NZ" dirty="0" smtClean="0"/>
-              <a:t>scallop fishery</a:t>
-            </a:r>
-            <a:r>
-              <a:rPr lang="en-NZ" dirty="0"/>
-              <a:t>. Canadian Journal of Fisheries and Aquatic Sciences, 74(11):1904–1917, 2017</a:t>
-            </a:r>
-            <a:r>
-              <a:rPr lang="en-NZ" dirty="0" smtClean="0"/>
-              <a:t>.</a:t>
+              <a:t> sea scallop fishery. Canadian Journal of Fisheries and Aquatic Sciences, 74(11):1904–1917, 2017.</a:t>
             </a:r>
           </a:p>
           <a:p>
@@ -4223,10 +4000,9 @@
           <a:lstStyle/>
           <a:p>
             <a:r>
-              <a:rPr lang="en-NZ" dirty="0" smtClean="0"/>
+              <a:rPr lang="en-NZ" dirty="0"/>
               <a:t>Model structure</a:t>
             </a:r>
-            <a:endParaRPr lang="en-NZ" dirty="0"/>
           </a:p>
         </p:txBody>
       </p:sp>
@@ -4251,52 +4027,51 @@
           <a:lstStyle/>
           <a:p>
             <a:r>
-              <a:rPr lang="en-NZ" dirty="0" smtClean="0"/>
+              <a:rPr lang="en-NZ" dirty="0"/>
               <a:t>The IBM implements a year based algorithm (annual cycle)</a:t>
             </a:r>
           </a:p>
           <a:p>
             <a:pPr lvl="1"/>
             <a:r>
-              <a:rPr lang="en-NZ" dirty="0" smtClean="0"/>
+              <a:rPr lang="en-NZ" dirty="0"/>
               <a:t>Annual cycles are completely user defined, they are split into two components</a:t>
             </a:r>
           </a:p>
           <a:p>
             <a:pPr lvl="2"/>
             <a:r>
-              <a:rPr lang="en-NZ" dirty="0" smtClean="0"/>
+              <a:rPr lang="en-NZ" dirty="0"/>
               <a:t>Time-steps</a:t>
             </a:r>
           </a:p>
           <a:p>
             <a:pPr lvl="2"/>
             <a:r>
-              <a:rPr lang="en-NZ" dirty="0" smtClean="0"/>
+              <a:rPr lang="en-NZ" dirty="0"/>
               <a:t>Processes</a:t>
             </a:r>
           </a:p>
           <a:p>
             <a:pPr lvl="1"/>
             <a:r>
-              <a:rPr lang="en-NZ" dirty="0" smtClean="0"/>
+              <a:rPr lang="en-NZ" dirty="0"/>
               <a:t>Subtle difference why you use a combination of them</a:t>
             </a:r>
           </a:p>
           <a:p>
             <a:pPr lvl="1"/>
             <a:r>
-              <a:rPr lang="en-NZ" dirty="0" smtClean="0"/>
+              <a:rPr lang="en-NZ" dirty="0"/>
               <a:t>Time steps can be months, seasons or any temporal construct.</a:t>
             </a:r>
           </a:p>
           <a:p>
             <a:pPr lvl="1"/>
             <a:r>
-              <a:rPr lang="en-NZ" dirty="0" smtClean="0"/>
+              <a:rPr lang="en-NZ" dirty="0"/>
               <a:t>For each time step users must specify processes that occur</a:t>
             </a:r>
-            <a:endParaRPr lang="en-NZ" dirty="0"/>
           </a:p>
         </p:txBody>
       </p:sp>
@@ -4340,13 +4115,6 @@
   <p:clrMapOvr>
     <a:masterClrMapping/>
   </p:clrMapOvr>
-  <p:timing>
-    <p:tnLst>
-      <p:par>
-        <p:cTn id="1" dur="indefinite" restart="never" nodeType="tmRoot"/>
-      </p:par>
-    </p:tnLst>
-  </p:timing>
 </p:sld>
 </file>
 
@@ -4401,13 +4169,6 @@
   <p:clrMapOvr>
     <a:masterClrMapping/>
   </p:clrMapOvr>
-  <p:timing>
-    <p:tnLst>
-      <p:par>
-        <p:cTn id="1" dur="indefinite" restart="never" nodeType="tmRoot"/>
-      </p:par>
-    </p:tnLst>
-  </p:timing>
 </p:sld>
 </file>
 
@@ -4451,10 +4212,9 @@
           <a:lstStyle/>
           <a:p>
             <a:r>
-              <a:rPr lang="en-NZ" dirty="0" smtClean="0"/>
+              <a:rPr lang="en-NZ" dirty="0"/>
               <a:t>Spatial Domain</a:t>
             </a:r>
-            <a:endParaRPr lang="en-NZ" dirty="0"/>
           </a:p>
         </p:txBody>
       </p:sp>
@@ -4479,10 +4239,9 @@
           <a:lstStyle/>
           <a:p>
             <a:r>
-              <a:rPr lang="en-NZ" dirty="0" smtClean="0"/>
+              <a:rPr lang="en-NZ" dirty="0"/>
               <a:t>Users have to define a spatial domain, that is implemented as a grid, but users can turn off cells to stray away from the grid based structure. Only on number of cells is computational.</a:t>
             </a:r>
-            <a:endParaRPr lang="en-NZ" dirty="0"/>
           </a:p>
         </p:txBody>
       </p:sp>
@@ -4538,10 +4297,9 @@
           <a:lstStyle/>
           <a:p>
             <a:r>
-              <a:rPr lang="en-NZ" sz="2800" dirty="0" smtClean="0"/>
+              <a:rPr lang="en-NZ" sz="2800" dirty="0"/>
               <a:t>In each cell there are number of agents</a:t>
             </a:r>
-            <a:endParaRPr lang="en-NZ" sz="2800" dirty="0"/>
           </a:p>
         </p:txBody>
       </p:sp>
@@ -4596,10 +4354,9 @@
           <a:lstStyle/>
           <a:p>
             <a:r>
-              <a:rPr lang="en-NZ" dirty="0" smtClean="0"/>
+              <a:rPr lang="en-NZ" dirty="0"/>
               <a:t>Agent characteristics</a:t>
             </a:r>
-            <a:endParaRPr lang="en-NZ" dirty="0"/>
           </a:p>
         </p:txBody>
       </p:sp>
@@ -4628,7 +4385,7 @@
               <a:lstStyle/>
               <a:p>
                 <a:r>
-                  <a:rPr lang="en-NZ" sz="2400" dirty="0" smtClean="0"/>
+                  <a:rPr lang="en-NZ" sz="2400" dirty="0"/>
                   <a:t>Central component, all inputs are user defined</a:t>
                 </a:r>
               </a:p>
@@ -4645,7 +4402,7 @@
                   <a:buChar char="•"/>
                 </a:pPr>
                 <a:r>
-                  <a:rPr lang="en-NZ" dirty="0" smtClean="0"/>
+                  <a:rPr lang="en-NZ" dirty="0"/>
                   <a:t>Age (birth year – current year)</a:t>
                 </a:r>
               </a:p>
@@ -4655,7 +4412,7 @@
                   <a:buChar char="•"/>
                 </a:pPr>
                 <a:r>
-                  <a:rPr lang="en-NZ" dirty="0" smtClean="0"/>
+                  <a:rPr lang="en-NZ" dirty="0"/>
                   <a:t>Length</a:t>
                 </a:r>
               </a:p>
@@ -4665,7 +4422,7 @@
                   <a:buChar char="•"/>
                 </a:pPr>
                 <a:r>
-                  <a:rPr lang="en-NZ" dirty="0" smtClean="0"/>
+                  <a:rPr lang="en-NZ" dirty="0"/>
                   <a:t>Weight</a:t>
                 </a:r>
               </a:p>
@@ -4675,7 +4432,7 @@
                   <a:buChar char="•"/>
                 </a:pPr>
                 <a:r>
-                  <a:rPr lang="en-NZ" dirty="0" smtClean="0"/>
+                  <a:rPr lang="en-NZ" dirty="0"/>
                   <a:t>Sex</a:t>
                 </a:r>
               </a:p>
@@ -4685,7 +4442,7 @@
                   <a:buChar char="•"/>
                 </a:pPr>
                 <a:r>
-                  <a:rPr lang="en-NZ" dirty="0" smtClean="0"/>
+                  <a:rPr lang="en-NZ" dirty="0"/>
                   <a:t>Scalar (how many homogeneous individuals does this agent represent, stock specific)</a:t>
                 </a:r>
               </a:p>
@@ -4695,7 +4452,7 @@
                   <a:buChar char="•"/>
                 </a:pPr>
                 <a:r>
-                  <a:rPr lang="en-NZ" dirty="0" smtClean="0"/>
+                  <a:rPr lang="en-NZ" dirty="0"/>
                   <a:t>Length weight parameters </a:t>
                 </a:r>
                 <a14:m>
@@ -4783,7 +4540,7 @@
                   </m:oMath>
                 </a14:m>
                 <a:r>
-                  <a:rPr lang="en-NZ" b="0" dirty="0" smtClean="0"/>
+                  <a:rPr lang="en-NZ" b="0" dirty="0"/>
                   <a:t> agent specific</a:t>
                 </a:r>
               </a:p>
@@ -4793,7 +4550,7 @@
                   <a:buChar char="•"/>
                 </a:pPr>
                 <a:r>
-                  <a:rPr lang="en-NZ" dirty="0" smtClean="0"/>
+                  <a:rPr lang="en-NZ" dirty="0"/>
                   <a:t>Natural mortality M (can be applied by age or length)</a:t>
                 </a:r>
               </a:p>
@@ -4803,7 +4560,7 @@
                   <a:buChar char="•"/>
                 </a:pPr>
                 <a:r>
-                  <a:rPr lang="en-NZ" dirty="0" smtClean="0"/>
+                  <a:rPr lang="en-NZ" dirty="0"/>
                   <a:t>Maturity</a:t>
                 </a:r>
               </a:p>
@@ -4813,7 +4570,7 @@
                   <a:buChar char="•"/>
                 </a:pPr>
                 <a:r>
-                  <a:rPr lang="en-NZ" dirty="0" smtClean="0"/>
+                  <a:rPr lang="en-NZ" dirty="0"/>
                   <a:t>Current location</a:t>
                 </a:r>
               </a:p>
@@ -4823,7 +4580,7 @@
                   <a:buChar char="•"/>
                 </a:pPr>
                 <a:r>
-                  <a:rPr lang="en-NZ" dirty="0" smtClean="0"/>
+                  <a:rPr lang="en-NZ" dirty="0"/>
                   <a:t>Birth location</a:t>
                 </a:r>
               </a:p>
@@ -4833,7 +4590,7 @@
                   <a:buChar char="•"/>
                 </a:pPr>
                 <a:r>
-                  <a:rPr lang="en-NZ" dirty="0" smtClean="0"/>
+                  <a:rPr lang="en-NZ" dirty="0"/>
                   <a:t>Tag info, tag time, tag location etc.</a:t>
                 </a:r>
               </a:p>
@@ -4894,8 +4651,8 @@
         </p:nvSpPr>
         <p:spPr>
           <a:xfrm>
-            <a:off x="837397" y="5178391"/>
-            <a:ext cx="6593306" cy="1477328"/>
+            <a:off x="837396" y="5178391"/>
+            <a:ext cx="8268503" cy="1200329"/>
           </a:xfrm>
           <a:prstGeom prst="rect">
             <a:avLst/>
@@ -4909,16 +4666,15 @@
           <a:lstStyle/>
           <a:p>
             <a:r>
-              <a:rPr lang="en-NZ" dirty="0" smtClean="0"/>
+              <a:rPr lang="en-NZ" dirty="0"/>
               <a:t>Note: No distinction of life history or stage, all interactions and dynamics are age or length based</a:t>
             </a:r>
           </a:p>
           <a:p>
             <a:r>
-              <a:rPr lang="en-NZ" dirty="0" smtClean="0"/>
+              <a:rPr lang="en-NZ" dirty="0"/>
               <a:t>This is on the dream list make distinct stages e.g. larval, juvenile and mature. Needs to be carefully thought of from a code design perspective</a:t>
             </a:r>
-            <a:endParaRPr lang="en-NZ" dirty="0"/>
           </a:p>
         </p:txBody>
       </p:sp>
@@ -4932,13 +4688,6 @@
   <p:clrMapOvr>
     <a:masterClrMapping/>
   </p:clrMapOvr>
-  <p:timing>
-    <p:tnLst>
-      <p:par>
-        <p:cTn id="1" dur="indefinite" restart="never" nodeType="tmRoot"/>
-      </p:par>
-    </p:tnLst>
-  </p:timing>
 </p:sld>
 </file>
 
@@ -4980,10 +4729,9 @@
           <a:lstStyle/>
           <a:p>
             <a:r>
-              <a:rPr lang="en-NZ" dirty="0" smtClean="0"/>
+              <a:rPr lang="en-NZ" dirty="0"/>
               <a:t>Agent interactions</a:t>
             </a:r>
-            <a:endParaRPr lang="en-NZ" dirty="0"/>
           </a:p>
         </p:txBody>
       </p:sp>
@@ -5010,72 +4758,71 @@
           <a:lstStyle/>
           <a:p>
             <a:r>
-              <a:rPr lang="en-NZ" dirty="0" smtClean="0"/>
+              <a:rPr lang="en-NZ" dirty="0"/>
               <a:t>Agent dynamics are applied by generic processes.</a:t>
             </a:r>
           </a:p>
           <a:p>
             <a:r>
-              <a:rPr lang="en-NZ" dirty="0" smtClean="0"/>
+              <a:rPr lang="en-NZ" dirty="0"/>
               <a:t>Fishing depends on method of removal</a:t>
             </a:r>
           </a:p>
           <a:p>
             <a:pPr lvl="1"/>
             <a:r>
-              <a:rPr lang="en-NZ" dirty="0" smtClean="0"/>
+              <a:rPr lang="en-NZ" dirty="0"/>
               <a:t>Biomass removals - user specifies catch for each cell and selectivity, randomly select agents if vulnerable remove entire agent. Can check for tagged fish in this process. Cons cannot apply M simultaneously, pros agents can have multiple interactions with gear.</a:t>
             </a:r>
           </a:p>
           <a:p>
             <a:pPr lvl="1"/>
             <a:r>
-              <a:rPr lang="en-NZ" dirty="0" smtClean="0"/>
+              <a:rPr lang="en-NZ" dirty="0"/>
               <a:t>Baranov style – user specifies an F for each cell applies both F and M.</a:t>
             </a:r>
           </a:p>
           <a:p>
             <a:pPr lvl="1"/>
             <a:r>
-              <a:rPr lang="en-NZ" dirty="0" smtClean="0"/>
+              <a:rPr lang="en-NZ" dirty="0"/>
               <a:t>Effort based – user specifies spatial effort and an annual catch and the IBM does a little minimisation to solve for F based on method in </a:t>
             </a:r>
             <a:r>
-              <a:rPr lang="en-NZ" dirty="0" err="1" smtClean="0"/>
+              <a:rPr lang="en-NZ" dirty="0" err="1"/>
               <a:t>Truesdell</a:t>
             </a:r>
             <a:r>
-              <a:rPr lang="en-NZ" dirty="0" smtClean="0"/>
+              <a:rPr lang="en-NZ" dirty="0"/>
               <a:t> et al (2017)</a:t>
             </a:r>
           </a:p>
           <a:p>
             <a:r>
-              <a:rPr lang="en-NZ" dirty="0" smtClean="0"/>
+              <a:rPr lang="en-NZ" dirty="0"/>
               <a:t>Movement </a:t>
             </a:r>
           </a:p>
           <a:p>
             <a:pPr lvl="1"/>
             <a:r>
-              <a:rPr lang="en-NZ" dirty="0" smtClean="0"/>
+              <a:rPr lang="en-NZ" dirty="0"/>
               <a:t>Multinomial proportion moving from source cell to sink cell</a:t>
             </a:r>
           </a:p>
           <a:p>
             <a:pPr lvl="1"/>
             <a:r>
-              <a:rPr lang="en-NZ" dirty="0" smtClean="0"/>
+              <a:rPr lang="en-NZ" dirty="0"/>
               <a:t>Diffusion movement undirected drift</a:t>
             </a:r>
           </a:p>
           <a:p>
             <a:pPr lvl="1"/>
             <a:r>
-              <a:rPr lang="en-NZ" dirty="0" smtClean="0"/>
+              <a:rPr lang="en-NZ" dirty="0"/>
               <a:t>Preference based movement, agents move based on gradient of habitat around them like a marble moving around a surface (needs more testing)</a:t>
             </a:r>
-            <a:endParaRPr lang="en-NZ" dirty="0"/>
           </a:p>
         </p:txBody>
       </p:sp>
@@ -5130,10 +4877,9 @@
           <a:lstStyle/>
           <a:p>
             <a:r>
-              <a:rPr lang="en-NZ" dirty="0" smtClean="0"/>
+              <a:rPr lang="en-NZ" dirty="0"/>
               <a:t>Movement examples</a:t>
             </a:r>
-            <a:endParaRPr lang="en-NZ" dirty="0"/>
           </a:p>
         </p:txBody>
       </p:sp>
@@ -5219,10 +4965,9 @@
           <a:lstStyle/>
           <a:p>
             <a:r>
-              <a:rPr lang="en-NZ" dirty="0" smtClean="0"/>
+              <a:rPr lang="en-NZ" dirty="0"/>
               <a:t>Depth preference</a:t>
             </a:r>
-            <a:endParaRPr lang="en-NZ" dirty="0"/>
           </a:p>
         </p:txBody>
       </p:sp>
@@ -5249,10 +4994,9 @@
           <a:lstStyle/>
           <a:p>
             <a:r>
-              <a:rPr lang="en-NZ" dirty="0" smtClean="0"/>
+              <a:rPr lang="en-NZ" dirty="0"/>
               <a:t>Population biomass</a:t>
             </a:r>
-            <a:endParaRPr lang="en-NZ" dirty="0"/>
           </a:p>
         </p:txBody>
       </p:sp>
@@ -5298,10 +5042,9 @@
           </a:lstStyle>
           <a:p>
             <a:r>
-              <a:rPr lang="en-NZ" sz="2800" dirty="0" smtClean="0"/>
+              <a:rPr lang="en-NZ" sz="2800" dirty="0"/>
               <a:t>Preference based movement</a:t>
             </a:r>
-            <a:endParaRPr lang="en-NZ" sz="2800" dirty="0"/>
           </a:p>
         </p:txBody>
       </p:sp>
@@ -5392,10 +5135,9 @@
           <a:lstStyle/>
           <a:p>
             <a:r>
-              <a:rPr lang="en-NZ" dirty="0" smtClean="0"/>
+              <a:rPr lang="en-NZ" dirty="0"/>
               <a:t>Agent interactions</a:t>
             </a:r>
-            <a:endParaRPr lang="en-NZ" dirty="0"/>
           </a:p>
         </p:txBody>
       </p:sp>
@@ -5424,7 +5166,7 @@
               <a:lstStyle/>
               <a:p>
                 <a:r>
-                  <a:rPr lang="en-NZ" dirty="0" smtClean="0"/>
+                  <a:rPr lang="en-NZ" dirty="0"/>
                   <a:t>Growth</a:t>
                 </a:r>
               </a:p>
@@ -5503,7 +5245,7 @@
                   </m:oMath>
                 </a14:m>
                 <a:r>
-                  <a:rPr lang="en-NZ" dirty="0" smtClean="0"/>
+                  <a:rPr lang="en-NZ" dirty="0"/>
                   <a:t> </a:t>
                 </a:r>
                 <a14:m>
@@ -5641,7 +5383,7 @@
                     </m:r>
                   </m:oMath>
                 </a14:m>
-                <a:endParaRPr lang="en-NZ" dirty="0" smtClean="0"/>
+                <a:endParaRPr lang="en-NZ" dirty="0"/>
               </a:p>
               <a:p>
                 <a:pPr lvl="2"/>
@@ -5675,7 +5417,7 @@
                   </m:oMath>
                 </a14:m>
                 <a:r>
-                  <a:rPr lang="en-NZ" dirty="0" smtClean="0"/>
+                  <a:rPr lang="en-NZ" dirty="0"/>
                   <a:t> agents length at time step t</a:t>
                 </a:r>
               </a:p>
@@ -5711,7 +5453,7 @@
                   </m:oMath>
                 </a14:m>
                 <a:r>
-                  <a:rPr lang="en-NZ" dirty="0" smtClean="0"/>
+                  <a:rPr lang="en-NZ" dirty="0"/>
                   <a:t> proportion of annual growth attributed to time step t</a:t>
                 </a:r>
               </a:p>
@@ -5778,40 +5520,40 @@
                   </m:oMath>
                 </a14:m>
                 <a:r>
-                  <a:rPr lang="en-NZ" dirty="0" smtClean="0"/>
+                  <a:rPr lang="en-NZ" dirty="0"/>
                   <a:t> agent specific growth parameters.</a:t>
                 </a:r>
               </a:p>
               <a:p>
                 <a:r>
-                  <a:rPr lang="en-NZ" dirty="0" smtClean="0"/>
+                  <a:rPr lang="en-NZ" dirty="0"/>
                   <a:t>Recruitment</a:t>
                 </a:r>
               </a:p>
               <a:p>
                 <a:pPr lvl="1"/>
                 <a:r>
-                  <a:rPr lang="en-NZ" dirty="0" smtClean="0"/>
+                  <a:rPr lang="en-NZ" dirty="0"/>
                   <a:t>Population based process, creates new agents based on SSB, can seed agents spatially (nursery areas). </a:t>
                 </a:r>
               </a:p>
               <a:p>
                 <a:pPr lvl="1"/>
                 <a:r>
-                  <a:rPr lang="en-NZ" dirty="0" smtClean="0"/>
+                  <a:rPr lang="en-NZ" dirty="0"/>
                   <a:t>Can have multiple recruitment processes, this is associated with the stock concept or sub-population</a:t>
                 </a:r>
               </a:p>
               <a:p>
                 <a:r>
-                  <a:rPr lang="en-NZ" dirty="0" smtClean="0"/>
+                  <a:rPr lang="en-NZ" dirty="0"/>
                   <a:t>Survivorship</a:t>
                 </a:r>
               </a:p>
               <a:p>
                 <a:pPr lvl="1"/>
                 <a:r>
-                  <a:rPr lang="en-NZ" dirty="0" smtClean="0"/>
+                  <a:rPr lang="en-NZ" dirty="0"/>
                   <a:t>If (</a:t>
                 </a:r>
                 <a14:m>
@@ -5890,17 +5632,16 @@
                   </m:oMath>
                 </a14:m>
                 <a:r>
-                  <a:rPr lang="en-NZ" dirty="0" smtClean="0"/>
+                  <a:rPr lang="en-NZ" dirty="0"/>
                   <a:t>)</a:t>
                 </a:r>
               </a:p>
               <a:p>
                 <a:pPr lvl="2"/>
                 <a:r>
-                  <a:rPr lang="en-NZ" dirty="0" smtClean="0"/>
+                  <a:rPr lang="en-NZ" dirty="0"/>
                   <a:t>Agent dies</a:t>
                 </a:r>
-                <a:endParaRPr lang="en-NZ" dirty="0"/>
               </a:p>
             </p:txBody>
           </p:sp>
@@ -5994,10 +5735,9 @@
           <a:lstStyle/>
           <a:p>
             <a:r>
-              <a:rPr lang="en-NZ" dirty="0" smtClean="0"/>
+              <a:rPr lang="en-NZ" dirty="0"/>
               <a:t>Observations\Derived quantities</a:t>
             </a:r>
-            <a:endParaRPr lang="en-NZ" dirty="0"/>
           </a:p>
         </p:txBody>
       </p:sp>
@@ -6022,44 +5762,44 @@
           <a:lstStyle/>
           <a:p>
             <a:r>
-              <a:rPr lang="en-NZ" dirty="0" smtClean="0"/>
+              <a:rPr lang="en-NZ" dirty="0"/>
               <a:t>At the beginning or end of each time step you can ask for many characteristics of the agents over the spatial domain to be reported.</a:t>
             </a:r>
           </a:p>
           <a:p>
             <a:pPr lvl="1"/>
             <a:r>
-              <a:rPr lang="en-NZ" dirty="0" smtClean="0"/>
+              <a:rPr lang="en-NZ" dirty="0"/>
               <a:t>Age or length structure</a:t>
             </a:r>
           </a:p>
           <a:p>
             <a:pPr lvl="1"/>
             <a:r>
-              <a:rPr lang="en-NZ" dirty="0" smtClean="0"/>
+              <a:rPr lang="en-NZ" dirty="0"/>
               <a:t>Total biomass, spatial biomass</a:t>
             </a:r>
           </a:p>
           <a:p>
             <a:pPr lvl="1"/>
             <a:r>
-              <a:rPr lang="en-NZ" dirty="0" smtClean="0"/>
+              <a:rPr lang="en-NZ" dirty="0"/>
               <a:t>Age-length in a cell</a:t>
             </a:r>
           </a:p>
           <a:p>
             <a:pPr lvl="1"/>
             <a:r>
-              <a:rPr lang="en-NZ" dirty="0" smtClean="0"/>
+              <a:rPr lang="en-NZ" dirty="0"/>
               <a:t>Fishery based observation LF, AF, Tag-recapture info</a:t>
             </a:r>
           </a:p>
           <a:p>
-            <a:endParaRPr lang="en-NZ" dirty="0" smtClean="0"/>
-          </a:p>
-          <a:p>
-            <a:r>
-              <a:rPr lang="en-NZ" dirty="0" smtClean="0"/>
+            <a:endParaRPr lang="en-NZ" dirty="0"/>
+          </a:p>
+          <a:p>
+            <a:r>
+              <a:rPr lang="en-NZ" dirty="0"/>
               <a:t>There is an R library to read in output and some summary plots, which is a forever work in progress</a:t>
             </a:r>
           </a:p>
